--- a/Documents/AD_Stage.pptx
+++ b/Documents/AD_Stage.pptx
@@ -13616,165 +13616,6 @@
       </p:sp>
       <p:sp>
         <p:nvSpPr>
-          <p:cNvPr id="775" name="직사각형 23"/>
-          <p:cNvSpPr/>
-          <p:nvPr/>
-        </p:nvSpPr>
-        <p:spPr>
-          <a:xfrm>
-            <a:off x="10569600" y="1126894"/>
-            <a:ext cx="459000" cy="459000"/>
-          </a:xfrm>
-          <a:prstGeom prst="rect">
-            <a:avLst/>
-          </a:prstGeom>
-          <a:solidFill>
-            <a:schemeClr val="accent6">
-              <a:lumMod val="20000"/>
-              <a:lumOff val="80000"/>
-            </a:schemeClr>
-          </a:solidFill>
-          <a:ln>
-            <a:solidFill>
-              <a:srgbClr val="000000"/>
-            </a:solidFill>
-          </a:ln>
-        </p:spPr>
-        <p:style>
-          <a:lnRef idx="2">
-            <a:schemeClr val="accent1">
-              <a:shade val="50000"/>
-            </a:schemeClr>
-          </a:lnRef>
-          <a:fillRef idx="1">
-            <a:schemeClr val="accent1"/>
-          </a:fillRef>
-          <a:effectRef idx="0">
-            <a:schemeClr val="accent1"/>
-          </a:effectRef>
-          <a:fontRef idx="minor"/>
-        </p:style>
-      </p:sp>
-      <p:sp>
-        <p:nvSpPr>
-          <p:cNvPr id="781" name="TextBox 6"/>
-          <p:cNvSpPr/>
-          <p:nvPr/>
-        </p:nvSpPr>
-        <p:spPr>
-          <a:xfrm>
-            <a:off x="11066040" y="1126894"/>
-            <a:ext cx="650880" cy="303120"/>
-          </a:xfrm>
-          <a:prstGeom prst="rect">
-            <a:avLst/>
-          </a:prstGeom>
-          <a:noFill/>
-          <a:ln w="0">
-            <a:noFill/>
-          </a:ln>
-        </p:spPr>
-        <p:style>
-          <a:lnRef idx="0">
-            <a:scrgbClr r="0" g="0" b="0"/>
-          </a:lnRef>
-          <a:fillRef idx="0">
-            <a:scrgbClr r="0" g="0" b="0"/>
-          </a:fillRef>
-          <a:effectRef idx="0">
-            <a:scrgbClr r="0" g="0" b="0"/>
-          </a:effectRef>
-          <a:fontRef idx="minor"/>
-        </p:style>
-        <p:txBody>
-          <a:bodyPr lIns="90000" tIns="45000" rIns="90000" bIns="45000" anchor="t">
-            <a:spAutoFit/>
-          </a:bodyPr>
-          <a:lstStyle/>
-          <a:p>
-            <a:pPr>
-              <a:lnSpc>
-                <a:spcPct val="100000"/>
-              </a:lnSpc>
-              <a:buNone/>
-            </a:pPr>
-            <a:r>
-              <a:rPr lang="en-US" sz="1400" b="0" strike="noStrike" spc="-1" dirty="0">
-                <a:solidFill>
-                  <a:srgbClr val="000000"/>
-                </a:solidFill>
-                <a:latin typeface="맑은 고딕"/>
-                <a:ea typeface="DejaVu Sans"/>
-              </a:rPr>
-              <a:t>0m</a:t>
-            </a:r>
-            <a:endParaRPr lang="en-US" sz="1400" b="0" strike="noStrike" spc="-1" dirty="0">
-              <a:latin typeface="Arial"/>
-            </a:endParaRPr>
-          </a:p>
-        </p:txBody>
-      </p:sp>
-      <p:sp>
-        <p:nvSpPr>
-          <p:cNvPr id="787" name="TextBox 12"/>
-          <p:cNvSpPr/>
-          <p:nvPr/>
-        </p:nvSpPr>
-        <p:spPr>
-          <a:xfrm>
-            <a:off x="9679320" y="1126894"/>
-            <a:ext cx="977040" cy="333360"/>
-          </a:xfrm>
-          <a:prstGeom prst="rect">
-            <a:avLst/>
-          </a:prstGeom>
-          <a:noFill/>
-          <a:ln w="0">
-            <a:noFill/>
-          </a:ln>
-        </p:spPr>
-        <p:style>
-          <a:lnRef idx="0">
-            <a:scrgbClr r="0" g="0" b="0"/>
-          </a:lnRef>
-          <a:fillRef idx="0">
-            <a:scrgbClr r="0" g="0" b="0"/>
-          </a:fillRef>
-          <a:effectRef idx="0">
-            <a:scrgbClr r="0" g="0" b="0"/>
-          </a:effectRef>
-          <a:fontRef idx="minor"/>
-        </p:style>
-        <p:txBody>
-          <a:bodyPr lIns="90000" tIns="45000" rIns="90000" bIns="45000" anchor="t">
-            <a:spAutoFit/>
-          </a:bodyPr>
-          <a:lstStyle/>
-          <a:p>
-            <a:pPr>
-              <a:lnSpc>
-                <a:spcPct val="100000"/>
-              </a:lnSpc>
-              <a:buNone/>
-            </a:pPr>
-            <a:r>
-              <a:rPr lang="en-US" sz="1600" b="1" strike="noStrike" spc="-1" dirty="0">
-                <a:solidFill>
-                  <a:srgbClr val="000000"/>
-                </a:solidFill>
-                <a:latin typeface="맑은 고딕"/>
-                <a:ea typeface="DejaVu Sans"/>
-              </a:rPr>
-              <a:t>Lv. 0</a:t>
-            </a:r>
-            <a:endParaRPr lang="en-US" sz="1600" b="0" strike="noStrike" spc="-1" dirty="0">
-              <a:latin typeface="Arial"/>
-            </a:endParaRPr>
-          </a:p>
-        </p:txBody>
-      </p:sp>
-      <p:sp>
-        <p:nvSpPr>
           <p:cNvPr id="793" name="TextBox 8"/>
           <p:cNvSpPr/>
           <p:nvPr/>
@@ -13824,7 +13665,27 @@
                 <a:latin typeface="맑은 고딕"/>
                 <a:ea typeface="DejaVu Sans"/>
               </a:rPr>
-              <a:t>25g x 18g x 6g  </a:t>
+              <a:t>23g x </a:t>
+            </a:r>
+            <a:r>
+              <a:rPr lang="en-US" spc="-1" dirty="0">
+                <a:solidFill>
+                  <a:srgbClr val="000000"/>
+                </a:solidFill>
+                <a:latin typeface="맑은 고딕"/>
+                <a:ea typeface="DejaVu Sans"/>
+              </a:rPr>
+              <a:t>24g</a:t>
+            </a:r>
+            <a:r>
+              <a:rPr lang="en-US" sz="1800" b="0" strike="noStrike" spc="-1" dirty="0">
+                <a:solidFill>
+                  <a:srgbClr val="000000"/>
+                </a:solidFill>
+                <a:latin typeface="맑은 고딕"/>
+                <a:ea typeface="DejaVu Sans"/>
+              </a:rPr>
+              <a:t> x 8g  </a:t>
             </a:r>
             <a:endParaRPr lang="en-US" sz="1800" b="0" strike="noStrike" spc="-1" dirty="0">
               <a:latin typeface="Arial"/>
@@ -17082,6 +16943,360 @@
           </p:txBody>
         </p:sp>
       </p:grpSp>
+      <p:sp>
+        <p:nvSpPr>
+          <p:cNvPr id="67" name="직사각형 23">
+            <a:extLst>
+              <a:ext uri="{FF2B5EF4-FFF2-40B4-BE49-F238E27FC236}">
+                <a16:creationId xmlns:a16="http://schemas.microsoft.com/office/drawing/2014/main" id="{3026A1AD-92F1-38DF-B62E-ECEFC25DF1FC}"/>
+              </a:ext>
+            </a:extLst>
+          </p:cNvPr>
+          <p:cNvSpPr/>
+          <p:nvPr/>
+        </p:nvSpPr>
+        <p:spPr>
+          <a:xfrm>
+            <a:off x="10569600" y="1126894"/>
+            <a:ext cx="459000" cy="459000"/>
+          </a:xfrm>
+          <a:prstGeom prst="rect">
+            <a:avLst/>
+          </a:prstGeom>
+          <a:solidFill>
+            <a:schemeClr val="accent6">
+              <a:lumMod val="20000"/>
+              <a:lumOff val="80000"/>
+            </a:schemeClr>
+          </a:solidFill>
+          <a:ln w="12700">
+            <a:solidFill>
+              <a:srgbClr val="000000"/>
+            </a:solidFill>
+          </a:ln>
+        </p:spPr>
+        <p:style>
+          <a:lnRef idx="2">
+            <a:schemeClr val="accent1">
+              <a:shade val="50000"/>
+            </a:schemeClr>
+          </a:lnRef>
+          <a:fillRef idx="1">
+            <a:schemeClr val="accent1"/>
+          </a:fillRef>
+          <a:effectRef idx="0">
+            <a:schemeClr val="accent1"/>
+          </a:effectRef>
+          <a:fontRef idx="minor"/>
+        </p:style>
+      </p:sp>
+      <p:sp>
+        <p:nvSpPr>
+          <p:cNvPr id="68" name="TextBox 6">
+            <a:extLst>
+              <a:ext uri="{FF2B5EF4-FFF2-40B4-BE49-F238E27FC236}">
+                <a16:creationId xmlns:a16="http://schemas.microsoft.com/office/drawing/2014/main" id="{7DF5C227-5005-2990-2DF4-005D862F80DD}"/>
+              </a:ext>
+            </a:extLst>
+          </p:cNvPr>
+          <p:cNvSpPr/>
+          <p:nvPr/>
+        </p:nvSpPr>
+        <p:spPr>
+          <a:xfrm>
+            <a:off x="11066040" y="1259631"/>
+            <a:ext cx="650880" cy="303120"/>
+          </a:xfrm>
+          <a:prstGeom prst="rect">
+            <a:avLst/>
+          </a:prstGeom>
+          <a:noFill/>
+          <a:ln w="0">
+            <a:noFill/>
+          </a:ln>
+        </p:spPr>
+        <p:style>
+          <a:lnRef idx="0">
+            <a:scrgbClr r="0" g="0" b="0"/>
+          </a:lnRef>
+          <a:fillRef idx="0">
+            <a:scrgbClr r="0" g="0" b="0"/>
+          </a:fillRef>
+          <a:effectRef idx="0">
+            <a:scrgbClr r="0" g="0" b="0"/>
+          </a:effectRef>
+          <a:fontRef idx="minor"/>
+        </p:style>
+        <p:txBody>
+          <a:bodyPr lIns="90000" tIns="45000" rIns="90000" bIns="45000" anchor="t">
+            <a:spAutoFit/>
+          </a:bodyPr>
+          <a:lstStyle/>
+          <a:p>
+            <a:pPr>
+              <a:lnSpc>
+                <a:spcPct val="100000"/>
+              </a:lnSpc>
+              <a:buNone/>
+            </a:pPr>
+            <a:r>
+              <a:rPr lang="en-US" sz="1400" b="0" strike="noStrike" spc="-1" dirty="0">
+                <a:solidFill>
+                  <a:srgbClr val="000000"/>
+                </a:solidFill>
+                <a:latin typeface="맑은 고딕"/>
+                <a:ea typeface="DejaVu Sans"/>
+              </a:rPr>
+              <a:t>0m</a:t>
+            </a:r>
+            <a:endParaRPr lang="en-US" sz="1400" b="0" strike="noStrike" spc="-1" dirty="0">
+              <a:latin typeface="Arial"/>
+            </a:endParaRPr>
+          </a:p>
+        </p:txBody>
+      </p:sp>
+      <p:sp>
+        <p:nvSpPr>
+          <p:cNvPr id="69" name="TextBox 12">
+            <a:extLst>
+              <a:ext uri="{FF2B5EF4-FFF2-40B4-BE49-F238E27FC236}">
+                <a16:creationId xmlns:a16="http://schemas.microsoft.com/office/drawing/2014/main" id="{3BCB843B-96BF-9516-8B4E-5A9C0DE700E6}"/>
+              </a:ext>
+            </a:extLst>
+          </p:cNvPr>
+          <p:cNvSpPr/>
+          <p:nvPr/>
+        </p:nvSpPr>
+        <p:spPr>
+          <a:xfrm>
+            <a:off x="9679320" y="1213876"/>
+            <a:ext cx="977040" cy="333360"/>
+          </a:xfrm>
+          <a:prstGeom prst="rect">
+            <a:avLst/>
+          </a:prstGeom>
+          <a:noFill/>
+          <a:ln w="0">
+            <a:noFill/>
+          </a:ln>
+        </p:spPr>
+        <p:style>
+          <a:lnRef idx="0">
+            <a:scrgbClr r="0" g="0" b="0"/>
+          </a:lnRef>
+          <a:fillRef idx="0">
+            <a:scrgbClr r="0" g="0" b="0"/>
+          </a:fillRef>
+          <a:effectRef idx="0">
+            <a:scrgbClr r="0" g="0" b="0"/>
+          </a:effectRef>
+          <a:fontRef idx="minor"/>
+        </p:style>
+        <p:txBody>
+          <a:bodyPr lIns="90000" tIns="45000" rIns="90000" bIns="45000" anchor="t">
+            <a:spAutoFit/>
+          </a:bodyPr>
+          <a:lstStyle/>
+          <a:p>
+            <a:pPr>
+              <a:lnSpc>
+                <a:spcPct val="100000"/>
+              </a:lnSpc>
+              <a:buNone/>
+            </a:pPr>
+            <a:r>
+              <a:rPr lang="en-US" sz="1600" b="1" strike="noStrike" spc="-1" dirty="0">
+                <a:solidFill>
+                  <a:srgbClr val="000000"/>
+                </a:solidFill>
+                <a:latin typeface="맑은 고딕"/>
+                <a:ea typeface="DejaVu Sans"/>
+              </a:rPr>
+              <a:t>Lv. 0</a:t>
+            </a:r>
+            <a:endParaRPr lang="en-US" sz="1600" b="0" strike="noStrike" spc="-1" dirty="0">
+              <a:latin typeface="Arial"/>
+            </a:endParaRPr>
+          </a:p>
+        </p:txBody>
+      </p:sp>
+      <p:sp>
+        <p:nvSpPr>
+          <p:cNvPr id="70" name="직사각형 23">
+            <a:extLst>
+              <a:ext uri="{FF2B5EF4-FFF2-40B4-BE49-F238E27FC236}">
+                <a16:creationId xmlns:a16="http://schemas.microsoft.com/office/drawing/2014/main" id="{27C6F558-D8E7-2868-A0CC-27149295CC04}"/>
+              </a:ext>
+            </a:extLst>
+          </p:cNvPr>
+          <p:cNvSpPr/>
+          <p:nvPr/>
+        </p:nvSpPr>
+        <p:spPr>
+          <a:xfrm>
+            <a:off x="10569600" y="1709468"/>
+            <a:ext cx="459000" cy="459000"/>
+          </a:xfrm>
+          <a:prstGeom prst="rect">
+            <a:avLst/>
+          </a:prstGeom>
+          <a:solidFill>
+            <a:schemeClr val="accent6">
+              <a:lumMod val="60000"/>
+              <a:lumOff val="40000"/>
+            </a:schemeClr>
+          </a:solidFill>
+          <a:ln w="12700">
+            <a:solidFill>
+              <a:srgbClr val="000000"/>
+            </a:solidFill>
+          </a:ln>
+        </p:spPr>
+        <p:style>
+          <a:lnRef idx="2">
+            <a:schemeClr val="accent1">
+              <a:shade val="50000"/>
+            </a:schemeClr>
+          </a:lnRef>
+          <a:fillRef idx="1">
+            <a:schemeClr val="accent1"/>
+          </a:fillRef>
+          <a:effectRef idx="0">
+            <a:schemeClr val="accent1"/>
+          </a:effectRef>
+          <a:fontRef idx="minor"/>
+        </p:style>
+      </p:sp>
+      <p:sp>
+        <p:nvSpPr>
+          <p:cNvPr id="71" name="TextBox 6">
+            <a:extLst>
+              <a:ext uri="{FF2B5EF4-FFF2-40B4-BE49-F238E27FC236}">
+                <a16:creationId xmlns:a16="http://schemas.microsoft.com/office/drawing/2014/main" id="{674CE06B-92D3-0A39-D32C-744D49741211}"/>
+              </a:ext>
+            </a:extLst>
+          </p:cNvPr>
+          <p:cNvSpPr/>
+          <p:nvPr/>
+        </p:nvSpPr>
+        <p:spPr>
+          <a:xfrm>
+            <a:off x="11066040" y="1787408"/>
+            <a:ext cx="650880" cy="306323"/>
+          </a:xfrm>
+          <a:prstGeom prst="rect">
+            <a:avLst/>
+          </a:prstGeom>
+          <a:noFill/>
+          <a:ln w="0">
+            <a:noFill/>
+          </a:ln>
+        </p:spPr>
+        <p:style>
+          <a:lnRef idx="0">
+            <a:scrgbClr r="0" g="0" b="0"/>
+          </a:lnRef>
+          <a:fillRef idx="0">
+            <a:scrgbClr r="0" g="0" b="0"/>
+          </a:fillRef>
+          <a:effectRef idx="0">
+            <a:scrgbClr r="0" g="0" b="0"/>
+          </a:effectRef>
+          <a:fontRef idx="minor"/>
+        </p:style>
+        <p:txBody>
+          <a:bodyPr lIns="90000" tIns="45000" rIns="90000" bIns="45000" anchor="t">
+            <a:spAutoFit/>
+          </a:bodyPr>
+          <a:lstStyle/>
+          <a:p>
+            <a:pPr>
+              <a:lnSpc>
+                <a:spcPct val="100000"/>
+              </a:lnSpc>
+              <a:buNone/>
+            </a:pPr>
+            <a:r>
+              <a:rPr lang="en-US" sz="1400" b="0" strike="noStrike" spc="-1" dirty="0">
+                <a:solidFill>
+                  <a:srgbClr val="000000"/>
+                </a:solidFill>
+                <a:latin typeface="맑은 고딕"/>
+                <a:ea typeface="DejaVu Sans"/>
+              </a:rPr>
+              <a:t>2m</a:t>
+            </a:r>
+            <a:endParaRPr lang="en-US" sz="1400" b="0" strike="noStrike" spc="-1" dirty="0">
+              <a:latin typeface="Arial"/>
+            </a:endParaRPr>
+          </a:p>
+        </p:txBody>
+      </p:sp>
+      <p:sp>
+        <p:nvSpPr>
+          <p:cNvPr id="72" name="TextBox 12">
+            <a:extLst>
+              <a:ext uri="{FF2B5EF4-FFF2-40B4-BE49-F238E27FC236}">
+                <a16:creationId xmlns:a16="http://schemas.microsoft.com/office/drawing/2014/main" id="{3F0735DD-4D32-209A-1558-40972AABB217}"/>
+              </a:ext>
+            </a:extLst>
+          </p:cNvPr>
+          <p:cNvSpPr/>
+          <p:nvPr/>
+        </p:nvSpPr>
+        <p:spPr>
+          <a:xfrm>
+            <a:off x="9679320" y="1772577"/>
+            <a:ext cx="977040" cy="337100"/>
+          </a:xfrm>
+          <a:prstGeom prst="rect">
+            <a:avLst/>
+          </a:prstGeom>
+          <a:noFill/>
+          <a:ln w="0">
+            <a:noFill/>
+          </a:ln>
+        </p:spPr>
+        <p:style>
+          <a:lnRef idx="0">
+            <a:scrgbClr r="0" g="0" b="0"/>
+          </a:lnRef>
+          <a:fillRef idx="0">
+            <a:scrgbClr r="0" g="0" b="0"/>
+          </a:fillRef>
+          <a:effectRef idx="0">
+            <a:scrgbClr r="0" g="0" b="0"/>
+          </a:effectRef>
+          <a:fontRef idx="minor"/>
+        </p:style>
+        <p:txBody>
+          <a:bodyPr lIns="90000" tIns="45000" rIns="90000" bIns="45000" anchor="t">
+            <a:spAutoFit/>
+          </a:bodyPr>
+          <a:lstStyle/>
+          <a:p>
+            <a:pPr>
+              <a:lnSpc>
+                <a:spcPct val="100000"/>
+              </a:lnSpc>
+              <a:buNone/>
+            </a:pPr>
+            <a:r>
+              <a:rPr lang="en-US" sz="1600" b="1" strike="noStrike" spc="-1" dirty="0">
+                <a:solidFill>
+                  <a:srgbClr val="000000"/>
+                </a:solidFill>
+                <a:latin typeface="맑은 고딕"/>
+                <a:ea typeface="DejaVu Sans"/>
+              </a:rPr>
+              <a:t>Lv. 1</a:t>
+            </a:r>
+            <a:endParaRPr lang="en-US" sz="1600" b="0" strike="noStrike" spc="-1" dirty="0">
+              <a:latin typeface="Arial"/>
+            </a:endParaRPr>
+          </a:p>
+        </p:txBody>
+      </p:sp>
     </p:spTree>
     <p:extLst>
       <p:ext uri="{BB962C8B-B14F-4D97-AF65-F5344CB8AC3E}">
